--- a/external_manuals/툴사용법.pptx
+++ b/external_manuals/툴사용법.pptx
@@ -6,7 +6,10 @@
   </p:sldMasterIdLst>
   <p:sldIdLst>
     <p:sldId id="256" r:id="rId2"/>
-    <p:sldId id="257" r:id="rId3"/>
+    <p:sldId id="258" r:id="rId3"/>
+    <p:sldId id="257" r:id="rId4"/>
+    <p:sldId id="259" r:id="rId5"/>
+    <p:sldId id="260" r:id="rId6"/>
   </p:sldIdLst>
   <p:sldSz cx="12192000" cy="6858000"/>
   <p:notesSz cx="6858000" cy="9144000"/>
@@ -298,7 +301,7 @@
           <a:p>
             <a:fld id="{B0F798B1-6221-41CD-B5C0-8B60CA9BB8D4}" type="datetimeFigureOut">
               <a:rPr lang="ko-KR" altLang="en-US" smtClean="0"/>
-              <a:t>2025-05-17</a:t>
+              <a:t>2025-05-18</a:t>
             </a:fld>
             <a:endParaRPr lang="ko-KR" altLang="en-US"/>
           </a:p>
@@ -596,7 +599,7 @@
           <a:p>
             <a:fld id="{B0F798B1-6221-41CD-B5C0-8B60CA9BB8D4}" type="datetimeFigureOut">
               <a:rPr lang="ko-KR" altLang="en-US" smtClean="0"/>
-              <a:t>2025-05-17</a:t>
+              <a:t>2025-05-18</a:t>
             </a:fld>
             <a:endParaRPr lang="ko-KR" altLang="en-US"/>
           </a:p>
@@ -788,7 +791,7 @@
           <a:p>
             <a:fld id="{B0F798B1-6221-41CD-B5C0-8B60CA9BB8D4}" type="datetimeFigureOut">
               <a:rPr lang="ko-KR" altLang="en-US" smtClean="0"/>
-              <a:t>2025-05-17</a:t>
+              <a:t>2025-05-18</a:t>
             </a:fld>
             <a:endParaRPr lang="ko-KR" altLang="en-US"/>
           </a:p>
@@ -1049,7 +1052,7 @@
           <a:p>
             <a:fld id="{B0F798B1-6221-41CD-B5C0-8B60CA9BB8D4}" type="datetimeFigureOut">
               <a:rPr lang="ko-KR" altLang="en-US" smtClean="0"/>
-              <a:t>2025-05-17</a:t>
+              <a:t>2025-05-18</a:t>
             </a:fld>
             <a:endParaRPr lang="ko-KR" altLang="en-US"/>
           </a:p>
@@ -1473,7 +1476,7 @@
           <a:p>
             <a:fld id="{B0F798B1-6221-41CD-B5C0-8B60CA9BB8D4}" type="datetimeFigureOut">
               <a:rPr lang="ko-KR" altLang="en-US" smtClean="0"/>
-              <a:t>2025-05-17</a:t>
+              <a:t>2025-05-18</a:t>
             </a:fld>
             <a:endParaRPr lang="ko-KR" altLang="en-US"/>
           </a:p>
@@ -2010,7 +2013,7 @@
           <a:p>
             <a:fld id="{B0F798B1-6221-41CD-B5C0-8B60CA9BB8D4}" type="datetimeFigureOut">
               <a:rPr lang="ko-KR" altLang="en-US" smtClean="0"/>
-              <a:t>2025-05-17</a:t>
+              <a:t>2025-05-18</a:t>
             </a:fld>
             <a:endParaRPr lang="ko-KR" altLang="en-US"/>
           </a:p>
@@ -2874,7 +2877,7 @@
           <a:p>
             <a:fld id="{B0F798B1-6221-41CD-B5C0-8B60CA9BB8D4}" type="datetimeFigureOut">
               <a:rPr lang="ko-KR" altLang="en-US" smtClean="0"/>
-              <a:t>2025-05-17</a:t>
+              <a:t>2025-05-18</a:t>
             </a:fld>
             <a:endParaRPr lang="ko-KR" altLang="en-US"/>
           </a:p>
@@ -3044,7 +3047,7 @@
           <a:p>
             <a:fld id="{B0F798B1-6221-41CD-B5C0-8B60CA9BB8D4}" type="datetimeFigureOut">
               <a:rPr lang="ko-KR" altLang="en-US" smtClean="0"/>
-              <a:t>2025-05-17</a:t>
+              <a:t>2025-05-18</a:t>
             </a:fld>
             <a:endParaRPr lang="ko-KR" altLang="en-US"/>
           </a:p>
@@ -3228,7 +3231,7 @@
           <a:p>
             <a:fld id="{B0F798B1-6221-41CD-B5C0-8B60CA9BB8D4}" type="datetimeFigureOut">
               <a:rPr lang="ko-KR" altLang="en-US" smtClean="0"/>
-              <a:t>2025-05-17</a:t>
+              <a:t>2025-05-18</a:t>
             </a:fld>
             <a:endParaRPr lang="ko-KR" altLang="en-US"/>
           </a:p>
@@ -3398,7 +3401,7 @@
           <a:p>
             <a:fld id="{B0F798B1-6221-41CD-B5C0-8B60CA9BB8D4}" type="datetimeFigureOut">
               <a:rPr lang="ko-KR" altLang="en-US" smtClean="0"/>
-              <a:t>2025-05-17</a:t>
+              <a:t>2025-05-18</a:t>
             </a:fld>
             <a:endParaRPr lang="ko-KR" altLang="en-US"/>
           </a:p>
@@ -3642,7 +3645,7 @@
           <a:p>
             <a:fld id="{B0F798B1-6221-41CD-B5C0-8B60CA9BB8D4}" type="datetimeFigureOut">
               <a:rPr lang="ko-KR" altLang="en-US" smtClean="0"/>
-              <a:t>2025-05-17</a:t>
+              <a:t>2025-05-18</a:t>
             </a:fld>
             <a:endParaRPr lang="ko-KR" altLang="en-US"/>
           </a:p>
@@ -3878,7 +3881,7 @@
           <a:p>
             <a:fld id="{B0F798B1-6221-41CD-B5C0-8B60CA9BB8D4}" type="datetimeFigureOut">
               <a:rPr lang="ko-KR" altLang="en-US" smtClean="0"/>
-              <a:t>2025-05-17</a:t>
+              <a:t>2025-05-18</a:t>
             </a:fld>
             <a:endParaRPr lang="ko-KR" altLang="en-US"/>
           </a:p>
@@ -4344,7 +4347,7 @@
           <a:p>
             <a:fld id="{B0F798B1-6221-41CD-B5C0-8B60CA9BB8D4}" type="datetimeFigureOut">
               <a:rPr lang="ko-KR" altLang="en-US" smtClean="0"/>
-              <a:t>2025-05-17</a:t>
+              <a:t>2025-05-18</a:t>
             </a:fld>
             <a:endParaRPr lang="ko-KR" altLang="en-US"/>
           </a:p>
@@ -4462,7 +4465,7 @@
           <a:p>
             <a:fld id="{B0F798B1-6221-41CD-B5C0-8B60CA9BB8D4}" type="datetimeFigureOut">
               <a:rPr lang="ko-KR" altLang="en-US" smtClean="0"/>
-              <a:t>2025-05-17</a:t>
+              <a:t>2025-05-18</a:t>
             </a:fld>
             <a:endParaRPr lang="ko-KR" altLang="en-US"/>
           </a:p>
@@ -4557,7 +4560,7 @@
           <a:p>
             <a:fld id="{B0F798B1-6221-41CD-B5C0-8B60CA9BB8D4}" type="datetimeFigureOut">
               <a:rPr lang="ko-KR" altLang="en-US" smtClean="0"/>
-              <a:t>2025-05-17</a:t>
+              <a:t>2025-05-18</a:t>
             </a:fld>
             <a:endParaRPr lang="ko-KR" altLang="en-US"/>
           </a:p>
@@ -4812,7 +4815,7 @@
           <a:p>
             <a:fld id="{B0F798B1-6221-41CD-B5C0-8B60CA9BB8D4}" type="datetimeFigureOut">
               <a:rPr lang="ko-KR" altLang="en-US" smtClean="0"/>
-              <a:t>2025-05-17</a:t>
+              <a:t>2025-05-18</a:t>
             </a:fld>
             <a:endParaRPr lang="ko-KR" altLang="en-US"/>
           </a:p>
@@ -5112,7 +5115,7 @@
           <a:p>
             <a:fld id="{B0F798B1-6221-41CD-B5C0-8B60CA9BB8D4}" type="datetimeFigureOut">
               <a:rPr lang="ko-KR" altLang="en-US" smtClean="0"/>
-              <a:t>2025-05-17</a:t>
+              <a:t>2025-05-18</a:t>
             </a:fld>
             <a:endParaRPr lang="ko-KR" altLang="en-US"/>
           </a:p>
@@ -5346,7 +5349,7 @@
           <a:p>
             <a:fld id="{B0F798B1-6221-41CD-B5C0-8B60CA9BB8D4}" type="datetimeFigureOut">
               <a:rPr lang="ko-KR" altLang="en-US" smtClean="0"/>
-              <a:t>2025-05-17</a:t>
+              <a:t>2025-05-18</a:t>
             </a:fld>
             <a:endParaRPr lang="ko-KR" altLang="en-US"/>
           </a:p>
@@ -6351,17 +6354,7 @@
                 <a:latin typeface="Neo둥근모" panose="02010509060201040203" pitchFamily="1" charset="-127"/>
                 <a:ea typeface="Neo둥근모" panose="02010509060201040203" pitchFamily="1" charset="-127"/>
               </a:rPr>
-              <a:t>눌러서 해당 </a:t>
-            </a:r>
-            <a:r>
-              <a:rPr lang="ko-KR" altLang="en-US" smtClean="0">
-                <a:solidFill>
-                  <a:schemeClr val="bg1"/>
-                </a:solidFill>
-                <a:latin typeface="Neo둥근모" panose="02010509060201040203" pitchFamily="1" charset="-127"/>
-                <a:ea typeface="Neo둥근모" panose="02010509060201040203" pitchFamily="1" charset="-127"/>
-              </a:rPr>
-              <a:t>페이지로 이동</a:t>
+              <a:t>눌러서 해당 페이지로 이동</a:t>
             </a:r>
             <a:endParaRPr lang="ko-KR" altLang="en-US">
               <a:solidFill>
@@ -6733,21 +6726,7 @@
                 <a:latin typeface="Neo둥근모" panose="02010509060201040203" pitchFamily="1" charset="-127"/>
                 <a:ea typeface="Neo둥근모" panose="02010509060201040203" pitchFamily="1" charset="-127"/>
               </a:rPr>
-              <a:t>우</a:t>
-            </a:r>
-            <a:r>
-              <a:rPr lang="ko-KR" altLang="en-US" err="1" smtClean="0">
-                <a:latin typeface="Neo둥근모" panose="02010509060201040203" pitchFamily="1" charset="-127"/>
-                <a:ea typeface="Neo둥근모" panose="02010509060201040203" pitchFamily="1" charset="-127"/>
-              </a:rPr>
-              <a:t>클릭</a:t>
-            </a:r>
-            <a:r>
-              <a:rPr lang="ko-KR" altLang="en-US" err="1" smtClean="0">
-                <a:latin typeface="Neo둥근모" panose="02010509060201040203" pitchFamily="1" charset="-127"/>
-                <a:ea typeface="Neo둥근모" panose="02010509060201040203" pitchFamily="1" charset="-127"/>
-              </a:rPr>
-              <a:t>으로</a:t>
+              <a:t>우클릭으로</a:t>
             </a:r>
             <a:r>
               <a:rPr lang="ko-KR" altLang="en-US" smtClean="0">
@@ -8093,6 +8072,30 @@
           <a:chExt cx="0" cy="0"/>
         </a:xfrm>
       </p:grpSpPr>
+      <p:pic>
+        <p:nvPicPr>
+          <p:cNvPr id="2" name="그림 1"/>
+          <p:cNvPicPr>
+            <a:picLocks noChangeAspect="1"/>
+          </p:cNvPicPr>
+          <p:nvPr/>
+        </p:nvPicPr>
+        <p:blipFill>
+          <a:blip r:embed="rId2"/>
+          <a:stretch>
+            <a:fillRect/>
+          </a:stretch>
+        </p:blipFill>
+        <p:spPr>
+          <a:xfrm>
+            <a:off x="3512775" y="590654"/>
+            <a:ext cx="5798224" cy="5790023"/>
+          </a:xfrm>
+          <a:prstGeom prst="rect">
+            <a:avLst/>
+          </a:prstGeom>
+        </p:spPr>
+      </p:pic>
       <p:sp>
         <p:nvSpPr>
           <p:cNvPr id="9" name="TextBox 8"/>
@@ -8236,17 +8239,7 @@
                 <a:latin typeface="Neo둥근모" panose="02010509060201040203" pitchFamily="1" charset="-127"/>
                 <a:ea typeface="Neo둥근모" panose="02010509060201040203" pitchFamily="1" charset="-127"/>
               </a:rPr>
-              <a:t>눌러서 해당 </a:t>
-            </a:r>
-            <a:r>
-              <a:rPr lang="ko-KR" altLang="en-US" smtClean="0">
-                <a:solidFill>
-                  <a:schemeClr val="bg1"/>
-                </a:solidFill>
-                <a:latin typeface="Neo둥근모" panose="02010509060201040203" pitchFamily="1" charset="-127"/>
-                <a:ea typeface="Neo둥근모" panose="02010509060201040203" pitchFamily="1" charset="-127"/>
-              </a:rPr>
-              <a:t>페이지로 이동</a:t>
+              <a:t>눌러서 해당 페이지로 이동</a:t>
             </a:r>
             <a:endParaRPr lang="ko-KR" altLang="en-US">
               <a:solidFill>
@@ -8260,147 +8253,14 @@
       </p:sp>
       <p:sp>
         <p:nvSpPr>
-          <p:cNvPr id="20" name="TextBox 19"/>
+          <p:cNvPr id="11" name="TextBox 10"/>
           <p:cNvSpPr txBox="1"/>
           <p:nvPr/>
         </p:nvSpPr>
         <p:spPr>
           <a:xfrm>
-            <a:off x="242246" y="5269904"/>
-            <a:ext cx="3143245" cy="923330"/>
-          </a:xfrm>
-          <a:prstGeom prst="rect">
-            <a:avLst/>
-          </a:prstGeom>
-          <a:solidFill>
-            <a:schemeClr val="bg1">
-              <a:lumMod val="95000"/>
-              <a:lumOff val="5000"/>
-            </a:schemeClr>
-          </a:solidFill>
-          <a:ln>
-            <a:solidFill>
-              <a:schemeClr val="tx1">
-                <a:lumMod val="65000"/>
-              </a:schemeClr>
-            </a:solidFill>
-          </a:ln>
-        </p:spPr>
-        <p:txBody>
-          <a:bodyPr wrap="square" rtlCol="0">
-            <a:spAutoFit/>
-          </a:bodyPr>
-          <a:lstStyle/>
-          <a:p>
-            <a:pPr algn="r"/>
-            <a:r>
-              <a:rPr lang="ko-KR" altLang="en-US">
-                <a:latin typeface="Neo둥근모" panose="02010509060201040203" pitchFamily="1" charset="-127"/>
-                <a:ea typeface="Neo둥근모" panose="02010509060201040203" pitchFamily="1" charset="-127"/>
-              </a:rPr>
-              <a:t>도형</a:t>
-            </a:r>
-            <a:r>
-              <a:rPr lang="en-US" altLang="ko-KR">
-                <a:latin typeface="Neo둥근모" panose="02010509060201040203" pitchFamily="1" charset="-127"/>
-                <a:ea typeface="Neo둥근모" panose="02010509060201040203" pitchFamily="1" charset="-127"/>
-              </a:rPr>
-              <a:t>: </a:t>
-            </a:r>
-            <a:r>
-              <a:rPr lang="ko-KR" altLang="en-US" err="1">
-                <a:latin typeface="Neo둥근모" panose="02010509060201040203" pitchFamily="1" charset="-127"/>
-                <a:ea typeface="Neo둥근모" panose="02010509060201040203" pitchFamily="1" charset="-127"/>
-              </a:rPr>
-              <a:t>클릭할때마다</a:t>
-            </a:r>
-            <a:endParaRPr lang="en-US" altLang="ko-KR">
-              <a:latin typeface="Neo둥근모" panose="02010509060201040203" pitchFamily="1" charset="-127"/>
-              <a:ea typeface="Neo둥근모" panose="02010509060201040203" pitchFamily="1" charset="-127"/>
-            </a:endParaRPr>
-          </a:p>
-          <a:p>
-            <a:pPr algn="r"/>
-            <a:r>
-              <a:rPr lang="ko-KR" altLang="en-US">
-                <a:latin typeface="Neo둥근모" panose="02010509060201040203" pitchFamily="1" charset="-127"/>
-                <a:ea typeface="Neo둥근모" panose="02010509060201040203" pitchFamily="1" charset="-127"/>
-              </a:rPr>
-              <a:t>원</a:t>
-            </a:r>
-            <a:r>
-              <a:rPr lang="en-US" altLang="ko-KR">
-                <a:latin typeface="Neo둥근모" panose="02010509060201040203" pitchFamily="1" charset="-127"/>
-                <a:ea typeface="Neo둥근모" panose="02010509060201040203" pitchFamily="1" charset="-127"/>
-              </a:rPr>
-              <a:t>,</a:t>
-            </a:r>
-            <a:r>
-              <a:rPr lang="ko-KR" altLang="en-US">
-                <a:latin typeface="Neo둥근모" panose="02010509060201040203" pitchFamily="1" charset="-127"/>
-                <a:ea typeface="Neo둥근모" panose="02010509060201040203" pitchFamily="1" charset="-127"/>
-              </a:rPr>
-              <a:t>사각형</a:t>
-            </a:r>
-            <a:r>
-              <a:rPr lang="en-US" altLang="ko-KR">
-                <a:latin typeface="Neo둥근모" panose="02010509060201040203" pitchFamily="1" charset="-127"/>
-                <a:ea typeface="Neo둥근모" panose="02010509060201040203" pitchFamily="1" charset="-127"/>
-              </a:rPr>
-              <a:t>,</a:t>
-            </a:r>
-            <a:r>
-              <a:rPr lang="ko-KR" altLang="en-US">
-                <a:latin typeface="Neo둥근모" panose="02010509060201040203" pitchFamily="1" charset="-127"/>
-                <a:ea typeface="Neo둥근모" panose="02010509060201040203" pitchFamily="1" charset="-127"/>
-              </a:rPr>
-              <a:t>선 그림</a:t>
-            </a:r>
-            <a:endParaRPr lang="en-US" altLang="ko-KR">
-              <a:latin typeface="Neo둥근모" panose="02010509060201040203" pitchFamily="1" charset="-127"/>
-              <a:ea typeface="Neo둥근모" panose="02010509060201040203" pitchFamily="1" charset="-127"/>
-            </a:endParaRPr>
-          </a:p>
-          <a:p>
-            <a:pPr algn="r"/>
-            <a:r>
-              <a:rPr lang="en-US" altLang="ko-KR">
-                <a:latin typeface="Neo둥근모" panose="02010509060201040203" pitchFamily="1" charset="-127"/>
-                <a:ea typeface="Neo둥근모" panose="02010509060201040203" pitchFamily="1" charset="-127"/>
-              </a:rPr>
-              <a:t>Ctrl</a:t>
-            </a:r>
-            <a:r>
-              <a:rPr lang="ko-KR" altLang="en-US">
-                <a:latin typeface="Neo둥근모" panose="02010509060201040203" pitchFamily="1" charset="-127"/>
-                <a:ea typeface="Neo둥근모" panose="02010509060201040203" pitchFamily="1" charset="-127"/>
-              </a:rPr>
-              <a:t>눌러서 </a:t>
-            </a:r>
-            <a:r>
-              <a:rPr lang="ko-KR" altLang="en-US" smtClean="0">
-                <a:latin typeface="Neo둥근모" panose="02010509060201040203" pitchFamily="1" charset="-127"/>
-                <a:ea typeface="Neo둥근모" panose="02010509060201040203" pitchFamily="1" charset="-127"/>
-              </a:rPr>
-              <a:t>채우기</a:t>
-            </a:r>
-            <a:endParaRPr lang="ko-KR" altLang="en-US">
-              <a:latin typeface="Neo둥근모" panose="02010509060201040203" pitchFamily="1" charset="-127"/>
-              <a:ea typeface="Neo둥근모" panose="02010509060201040203" pitchFamily="1" charset="-127"/>
-            </a:endParaRPr>
-          </a:p>
-        </p:txBody>
-      </p:sp>
-      <p:sp>
-        <p:nvSpPr>
-          <p:cNvPr id="22" name="TextBox 21"/>
-          <p:cNvSpPr txBox="1"/>
-          <p:nvPr/>
-        </p:nvSpPr>
-        <p:spPr>
-          <a:xfrm>
-            <a:off x="4615428" y="4630685"/>
-            <a:ext cx="3070071" cy="1754326"/>
+            <a:off x="1104600" y="590654"/>
+            <a:ext cx="2146742" cy="369332"/>
           </a:xfrm>
           <a:prstGeom prst="rect">
             <a:avLst/>
@@ -8427,6 +8287,81 @@
           <a:lstStyle/>
           <a:p>
             <a:r>
+              <a:rPr lang="ko-KR" altLang="en-US" err="1" smtClean="0">
+                <a:solidFill>
+                  <a:schemeClr val="bg1"/>
+                </a:solidFill>
+                <a:latin typeface="Neo둥근모" panose="02010509060201040203" pitchFamily="1" charset="-127"/>
+                <a:ea typeface="Neo둥근모" panose="02010509060201040203" pitchFamily="1" charset="-127"/>
+              </a:rPr>
+              <a:t>편집탭</a:t>
+            </a:r>
+            <a:r>
+              <a:rPr lang="en-US" altLang="ko-KR" smtClean="0">
+                <a:solidFill>
+                  <a:schemeClr val="bg1"/>
+                </a:solidFill>
+                <a:latin typeface="Neo둥근모" panose="02010509060201040203" pitchFamily="1" charset="-127"/>
+                <a:ea typeface="Neo둥근모" panose="02010509060201040203" pitchFamily="1" charset="-127"/>
+              </a:rPr>
+              <a:t>/</a:t>
+            </a:r>
+            <a:r>
+              <a:rPr lang="ko-KR" altLang="en-US" err="1" smtClean="0">
+                <a:solidFill>
+                  <a:schemeClr val="bg1"/>
+                </a:solidFill>
+                <a:latin typeface="Neo둥근모" panose="02010509060201040203" pitchFamily="1" charset="-127"/>
+                <a:ea typeface="Neo둥근모" panose="02010509060201040203" pitchFamily="1" charset="-127"/>
+              </a:rPr>
+              <a:t>크게보기탭</a:t>
+            </a:r>
+            <a:endParaRPr lang="ko-KR" altLang="en-US">
+              <a:solidFill>
+                <a:schemeClr val="bg1"/>
+              </a:solidFill>
+              <a:latin typeface="Neo둥근모" panose="02010509060201040203" pitchFamily="1" charset="-127"/>
+              <a:ea typeface="Neo둥근모" panose="02010509060201040203" pitchFamily="1" charset="-127"/>
+            </a:endParaRPr>
+          </a:p>
+        </p:txBody>
+      </p:sp>
+      <p:sp>
+        <p:nvSpPr>
+          <p:cNvPr id="12" name="TextBox 11"/>
+          <p:cNvSpPr txBox="1"/>
+          <p:nvPr/>
+        </p:nvSpPr>
+        <p:spPr>
+          <a:xfrm>
+            <a:off x="4901416" y="2241550"/>
+            <a:ext cx="1685077" cy="923330"/>
+          </a:xfrm>
+          <a:prstGeom prst="rect">
+            <a:avLst/>
+          </a:prstGeom>
+          <a:solidFill>
+            <a:schemeClr val="accent3">
+              <a:lumMod val="40000"/>
+              <a:lumOff val="60000"/>
+            </a:schemeClr>
+          </a:solidFill>
+          <a:ln>
+            <a:solidFill>
+              <a:schemeClr val="accent3">
+                <a:lumMod val="40000"/>
+                <a:lumOff val="60000"/>
+              </a:schemeClr>
+            </a:solidFill>
+          </a:ln>
+        </p:spPr>
+        <p:txBody>
+          <a:bodyPr wrap="none" rtlCol="0">
+            <a:spAutoFit/>
+          </a:bodyPr>
+          <a:lstStyle/>
+          <a:p>
+            <a:r>
               <a:rPr lang="ko-KR" altLang="en-US" smtClean="0">
                 <a:solidFill>
                   <a:schemeClr val="bg1"/>
@@ -8434,7 +8369,7 @@
                 <a:latin typeface="Neo둥근모" panose="02010509060201040203" pitchFamily="1" charset="-127"/>
                 <a:ea typeface="Neo둥근모" panose="02010509060201040203" pitchFamily="1" charset="-127"/>
               </a:rPr>
-              <a:t>스프라이트시트</a:t>
+              <a:t>각</a:t>
             </a:r>
             <a:r>
               <a:rPr lang="en-US" altLang="ko-KR" smtClean="0">
@@ -8444,30 +8379,37 @@
                 <a:latin typeface="Neo둥근모" panose="02010509060201040203" pitchFamily="1" charset="-127"/>
                 <a:ea typeface="Neo둥근모" panose="02010509060201040203" pitchFamily="1" charset="-127"/>
               </a:rPr>
-              <a:t>:</a:t>
-            </a:r>
-          </a:p>
-          <a:p>
-            <a:r>
-              <a:rPr lang="ko-KR" altLang="en-US">
+              <a:t> </a:t>
+            </a:r>
+            <a:r>
+              <a:rPr lang="ko-KR" altLang="en-US" smtClean="0">
                 <a:solidFill>
                   <a:schemeClr val="bg1"/>
                 </a:solidFill>
                 <a:latin typeface="Neo둥근모" panose="02010509060201040203" pitchFamily="1" charset="-127"/>
                 <a:ea typeface="Neo둥근모" panose="02010509060201040203" pitchFamily="1" charset="-127"/>
               </a:rPr>
-              <a:t>총 </a:t>
-            </a:r>
-            <a:r>
-              <a:rPr lang="en-US" altLang="ko-KR">
+              <a:t>셀의 번호</a:t>
+            </a:r>
+            <a:r>
+              <a:rPr lang="en-US" altLang="ko-KR" smtClean="0">
                 <a:solidFill>
                   <a:schemeClr val="bg1"/>
                 </a:solidFill>
                 <a:latin typeface="Neo둥근모" panose="02010509060201040203" pitchFamily="1" charset="-127"/>
                 <a:ea typeface="Neo둥근모" panose="02010509060201040203" pitchFamily="1" charset="-127"/>
               </a:rPr>
-              <a:t>128x128 </a:t>
-            </a:r>
+              <a:t/>
+            </a:r>
+            <a:br>
+              <a:rPr lang="en-US" altLang="ko-KR" smtClean="0">
+                <a:solidFill>
+                  <a:schemeClr val="bg1"/>
+                </a:solidFill>
+                <a:latin typeface="Neo둥근모" panose="02010509060201040203" pitchFamily="1" charset="-127"/>
+                <a:ea typeface="Neo둥근모" panose="02010509060201040203" pitchFamily="1" charset="-127"/>
+              </a:rPr>
+            </a:br>
             <a:r>
               <a:rPr lang="ko-KR" altLang="en-US" smtClean="0">
                 <a:solidFill>
@@ -8476,7 +8418,7 @@
                 <a:latin typeface="Neo둥근모" panose="02010509060201040203" pitchFamily="1" charset="-127"/>
                 <a:ea typeface="Neo둥근모" panose="02010509060201040203" pitchFamily="1" charset="-127"/>
               </a:rPr>
-              <a:t>픽셀이며</a:t>
+              <a:t>클릭하면 </a:t>
             </a:r>
             <a:endParaRPr lang="en-US" altLang="ko-KR" smtClean="0">
               <a:solidFill>
@@ -8495,6 +8437,745 @@
                 <a:latin typeface="Neo둥근모" panose="02010509060201040203" pitchFamily="1" charset="-127"/>
                 <a:ea typeface="Neo둥근모" panose="02010509060201040203" pitchFamily="1" charset="-127"/>
               </a:rPr>
+              <a:t>16</a:t>
+            </a:r>
+            <a:r>
+              <a:rPr lang="ko-KR" altLang="en-US" smtClean="0">
+                <a:solidFill>
+                  <a:schemeClr val="bg1"/>
+                </a:solidFill>
+                <a:latin typeface="Neo둥근모" panose="02010509060201040203" pitchFamily="1" charset="-127"/>
+                <a:ea typeface="Neo둥근모" panose="02010509060201040203" pitchFamily="1" charset="-127"/>
+              </a:rPr>
+              <a:t>진수로 표기</a:t>
+            </a:r>
+            <a:endParaRPr lang="ko-KR" altLang="en-US">
+              <a:solidFill>
+                <a:schemeClr val="bg1"/>
+              </a:solidFill>
+              <a:latin typeface="Neo둥근모" panose="02010509060201040203" pitchFamily="1" charset="-127"/>
+              <a:ea typeface="Neo둥근모" panose="02010509060201040203" pitchFamily="1" charset="-127"/>
+            </a:endParaRPr>
+          </a:p>
+        </p:txBody>
+      </p:sp>
+      <p:sp>
+        <p:nvSpPr>
+          <p:cNvPr id="13" name="TextBox 12"/>
+          <p:cNvSpPr txBox="1"/>
+          <p:nvPr/>
+        </p:nvSpPr>
+        <p:spPr>
+          <a:xfrm>
+            <a:off x="232637" y="1511268"/>
+            <a:ext cx="3143245" cy="646331"/>
+          </a:xfrm>
+          <a:prstGeom prst="rect">
+            <a:avLst/>
+          </a:prstGeom>
+          <a:solidFill>
+            <a:schemeClr val="bg1">
+              <a:lumMod val="95000"/>
+              <a:lumOff val="5000"/>
+            </a:schemeClr>
+          </a:solidFill>
+          <a:ln>
+            <a:solidFill>
+              <a:schemeClr val="tx1">
+                <a:lumMod val="65000"/>
+              </a:schemeClr>
+            </a:solidFill>
+          </a:ln>
+        </p:spPr>
+        <p:txBody>
+          <a:bodyPr wrap="square" rtlCol="0">
+            <a:spAutoFit/>
+          </a:bodyPr>
+          <a:lstStyle/>
+          <a:p>
+            <a:pPr algn="r"/>
+            <a:r>
+              <a:rPr lang="ko-KR" altLang="en-US" err="1" smtClean="0">
+                <a:latin typeface="Neo둥근모" panose="02010509060201040203" pitchFamily="1" charset="-127"/>
+                <a:ea typeface="Neo둥근모" panose="02010509060201040203" pitchFamily="1" charset="-127"/>
+              </a:rPr>
+              <a:t>연필툴</a:t>
+            </a:r>
+            <a:r>
+              <a:rPr lang="en-US" altLang="ko-KR" smtClean="0">
+                <a:latin typeface="Neo둥근모" panose="02010509060201040203" pitchFamily="1" charset="-127"/>
+                <a:ea typeface="Neo둥근모" panose="02010509060201040203" pitchFamily="1" charset="-127"/>
+              </a:rPr>
+              <a:t>: </a:t>
+            </a:r>
+            <a:r>
+              <a:rPr lang="ko-KR" altLang="en-US" smtClean="0">
+                <a:latin typeface="Neo둥근모" panose="02010509060201040203" pitchFamily="1" charset="-127"/>
+                <a:ea typeface="Neo둥근모" panose="02010509060201040203" pitchFamily="1" charset="-127"/>
+              </a:rPr>
+              <a:t>그리기</a:t>
+            </a:r>
+            <a:endParaRPr lang="en-US" altLang="ko-KR" smtClean="0">
+              <a:latin typeface="Neo둥근모" panose="02010509060201040203" pitchFamily="1" charset="-127"/>
+              <a:ea typeface="Neo둥근모" panose="02010509060201040203" pitchFamily="1" charset="-127"/>
+            </a:endParaRPr>
+          </a:p>
+          <a:p>
+            <a:pPr algn="r"/>
+            <a:r>
+              <a:rPr lang="ko-KR" altLang="en-US" err="1" smtClean="0">
+                <a:latin typeface="Neo둥근모" panose="02010509060201040203" pitchFamily="1" charset="-127"/>
+                <a:ea typeface="Neo둥근모" panose="02010509060201040203" pitchFamily="1" charset="-127"/>
+              </a:rPr>
+              <a:t>우클릭으로</a:t>
+            </a:r>
+            <a:r>
+              <a:rPr lang="ko-KR" altLang="en-US" smtClean="0">
+                <a:latin typeface="Neo둥근모" panose="02010509060201040203" pitchFamily="1" charset="-127"/>
+                <a:ea typeface="Neo둥근모" panose="02010509060201040203" pitchFamily="1" charset="-127"/>
+              </a:rPr>
+              <a:t> </a:t>
+            </a:r>
+            <a:r>
+              <a:rPr lang="ko-KR" altLang="en-US" err="1" smtClean="0">
+                <a:latin typeface="Neo둥근모" panose="02010509060201040203" pitchFamily="1" charset="-127"/>
+                <a:ea typeface="Neo둥근모" panose="02010509060201040203" pitchFamily="1" charset="-127"/>
+              </a:rPr>
+              <a:t>스포이드</a:t>
+            </a:r>
+            <a:endParaRPr lang="ko-KR" altLang="en-US">
+              <a:latin typeface="Neo둥근모" panose="02010509060201040203" pitchFamily="1" charset="-127"/>
+              <a:ea typeface="Neo둥근모" panose="02010509060201040203" pitchFamily="1" charset="-127"/>
+            </a:endParaRPr>
+          </a:p>
+        </p:txBody>
+      </p:sp>
+      <p:sp>
+        <p:nvSpPr>
+          <p:cNvPr id="15" name="TextBox 14"/>
+          <p:cNvSpPr txBox="1"/>
+          <p:nvPr/>
+        </p:nvSpPr>
+        <p:spPr>
+          <a:xfrm>
+            <a:off x="232636" y="2258853"/>
+            <a:ext cx="3143245" cy="646331"/>
+          </a:xfrm>
+          <a:prstGeom prst="rect">
+            <a:avLst/>
+          </a:prstGeom>
+          <a:solidFill>
+            <a:schemeClr val="bg1">
+              <a:lumMod val="95000"/>
+              <a:lumOff val="5000"/>
+            </a:schemeClr>
+          </a:solidFill>
+          <a:ln>
+            <a:solidFill>
+              <a:schemeClr val="tx1">
+                <a:lumMod val="65000"/>
+              </a:schemeClr>
+            </a:solidFill>
+          </a:ln>
+        </p:spPr>
+        <p:txBody>
+          <a:bodyPr wrap="square" rtlCol="0">
+            <a:spAutoFit/>
+          </a:bodyPr>
+          <a:lstStyle/>
+          <a:p>
+            <a:pPr algn="r"/>
+            <a:r>
+              <a:rPr lang="ko-KR" altLang="en-US" smtClean="0">
+                <a:latin typeface="Neo둥근모" panose="02010509060201040203" pitchFamily="1" charset="-127"/>
+                <a:ea typeface="Neo둥근모" panose="02010509060201040203" pitchFamily="1" charset="-127"/>
+              </a:rPr>
+              <a:t>스탬프</a:t>
+            </a:r>
+            <a:r>
+              <a:rPr lang="en-US" altLang="ko-KR" smtClean="0">
+                <a:latin typeface="Neo둥근모" panose="02010509060201040203" pitchFamily="1" charset="-127"/>
+                <a:ea typeface="Neo둥근모" panose="02010509060201040203" pitchFamily="1" charset="-127"/>
+              </a:rPr>
+              <a:t>:</a:t>
+            </a:r>
+            <a:r>
+              <a:rPr lang="ko-KR" altLang="en-US" smtClean="0">
+                <a:latin typeface="Neo둥근모" panose="02010509060201040203" pitchFamily="1" charset="-127"/>
+                <a:ea typeface="Neo둥근모" panose="02010509060201040203" pitchFamily="1" charset="-127"/>
+              </a:rPr>
+              <a:t>복사된 </a:t>
+            </a:r>
+            <a:endParaRPr lang="en-US" altLang="ko-KR" smtClean="0">
+              <a:latin typeface="Neo둥근모" panose="02010509060201040203" pitchFamily="1" charset="-127"/>
+              <a:ea typeface="Neo둥근모" panose="02010509060201040203" pitchFamily="1" charset="-127"/>
+            </a:endParaRPr>
+          </a:p>
+          <a:p>
+            <a:pPr algn="r"/>
+            <a:r>
+              <a:rPr lang="ko-KR" altLang="en-US" smtClean="0">
+                <a:latin typeface="Neo둥근모" panose="02010509060201040203" pitchFamily="1" charset="-127"/>
+                <a:ea typeface="Neo둥근모" panose="02010509060201040203" pitchFamily="1" charset="-127"/>
+              </a:rPr>
+              <a:t>내용을 삽입</a:t>
+            </a:r>
+            <a:endParaRPr lang="ko-KR" altLang="en-US">
+              <a:latin typeface="Neo둥근모" panose="02010509060201040203" pitchFamily="1" charset="-127"/>
+              <a:ea typeface="Neo둥근모" panose="02010509060201040203" pitchFamily="1" charset="-127"/>
+            </a:endParaRPr>
+          </a:p>
+        </p:txBody>
+      </p:sp>
+      <p:sp>
+        <p:nvSpPr>
+          <p:cNvPr id="16" name="TextBox 15"/>
+          <p:cNvSpPr txBox="1"/>
+          <p:nvPr/>
+        </p:nvSpPr>
+        <p:spPr>
+          <a:xfrm>
+            <a:off x="232636" y="3018571"/>
+            <a:ext cx="3143245" cy="646331"/>
+          </a:xfrm>
+          <a:prstGeom prst="rect">
+            <a:avLst/>
+          </a:prstGeom>
+          <a:solidFill>
+            <a:schemeClr val="bg1">
+              <a:lumMod val="95000"/>
+              <a:lumOff val="5000"/>
+            </a:schemeClr>
+          </a:solidFill>
+          <a:ln>
+            <a:solidFill>
+              <a:schemeClr val="tx1">
+                <a:lumMod val="65000"/>
+              </a:schemeClr>
+            </a:solidFill>
+          </a:ln>
+        </p:spPr>
+        <p:txBody>
+          <a:bodyPr wrap="square" rtlCol="0">
+            <a:spAutoFit/>
+          </a:bodyPr>
+          <a:lstStyle/>
+          <a:p>
+            <a:pPr algn="r"/>
+            <a:r>
+              <a:rPr lang="ko-KR" altLang="en-US" smtClean="0">
+                <a:latin typeface="Neo둥근모" panose="02010509060201040203" pitchFamily="1" charset="-127"/>
+                <a:ea typeface="Neo둥근모" panose="02010509060201040203" pitchFamily="1" charset="-127"/>
+              </a:rPr>
+              <a:t>선택</a:t>
+            </a:r>
+            <a:r>
+              <a:rPr lang="en-US" altLang="ko-KR" smtClean="0">
+                <a:latin typeface="Neo둥근모" panose="02010509060201040203" pitchFamily="1" charset="-127"/>
+                <a:ea typeface="Neo둥근모" panose="02010509060201040203" pitchFamily="1" charset="-127"/>
+              </a:rPr>
+              <a:t>: </a:t>
+            </a:r>
+            <a:r>
+              <a:rPr lang="ko-KR" altLang="en-US" err="1" smtClean="0">
+                <a:latin typeface="Neo둥근모" panose="02010509060201040203" pitchFamily="1" charset="-127"/>
+                <a:ea typeface="Neo둥근모" panose="02010509060201040203" pitchFamily="1" charset="-127"/>
+              </a:rPr>
+              <a:t>선택후</a:t>
+            </a:r>
+            <a:r>
+              <a:rPr lang="en-US" altLang="ko-KR" smtClean="0">
+                <a:latin typeface="Neo둥근모" panose="02010509060201040203" pitchFamily="1" charset="-127"/>
+                <a:ea typeface="Neo둥근모" panose="02010509060201040203" pitchFamily="1" charset="-127"/>
+              </a:rPr>
+              <a:t/>
+            </a:r>
+            <a:br>
+              <a:rPr lang="en-US" altLang="ko-KR" smtClean="0">
+                <a:latin typeface="Neo둥근모" panose="02010509060201040203" pitchFamily="1" charset="-127"/>
+                <a:ea typeface="Neo둥근모" panose="02010509060201040203" pitchFamily="1" charset="-127"/>
+              </a:rPr>
+            </a:br>
+            <a:r>
+              <a:rPr lang="en-US" altLang="ko-KR" smtClean="0">
+                <a:latin typeface="Neo둥근모" panose="02010509060201040203" pitchFamily="1" charset="-127"/>
+                <a:ea typeface="Neo둥근모" panose="02010509060201040203" pitchFamily="1" charset="-127"/>
+              </a:rPr>
+              <a:t>CTRL+C </a:t>
+            </a:r>
+            <a:r>
+              <a:rPr lang="ko-KR" altLang="en-US" smtClean="0">
+                <a:latin typeface="Neo둥근모" panose="02010509060201040203" pitchFamily="1" charset="-127"/>
+                <a:ea typeface="Neo둥근모" panose="02010509060201040203" pitchFamily="1" charset="-127"/>
+              </a:rPr>
+              <a:t>로 복사</a:t>
+            </a:r>
+            <a:endParaRPr lang="ko-KR" altLang="en-US">
+              <a:latin typeface="Neo둥근모" panose="02010509060201040203" pitchFamily="1" charset="-127"/>
+              <a:ea typeface="Neo둥근모" panose="02010509060201040203" pitchFamily="1" charset="-127"/>
+            </a:endParaRPr>
+          </a:p>
+        </p:txBody>
+      </p:sp>
+      <p:sp>
+        <p:nvSpPr>
+          <p:cNvPr id="17" name="TextBox 16"/>
+          <p:cNvSpPr txBox="1"/>
+          <p:nvPr/>
+        </p:nvSpPr>
+        <p:spPr>
+          <a:xfrm>
+            <a:off x="232636" y="4522319"/>
+            <a:ext cx="3143245" cy="646331"/>
+          </a:xfrm>
+          <a:prstGeom prst="rect">
+            <a:avLst/>
+          </a:prstGeom>
+          <a:solidFill>
+            <a:schemeClr val="bg1">
+              <a:lumMod val="95000"/>
+              <a:lumOff val="5000"/>
+            </a:schemeClr>
+          </a:solidFill>
+          <a:ln>
+            <a:solidFill>
+              <a:schemeClr val="tx1">
+                <a:lumMod val="65000"/>
+              </a:schemeClr>
+            </a:solidFill>
+          </a:ln>
+        </p:spPr>
+        <p:txBody>
+          <a:bodyPr wrap="square" rtlCol="0">
+            <a:spAutoFit/>
+          </a:bodyPr>
+          <a:lstStyle/>
+          <a:p>
+            <a:pPr algn="r"/>
+            <a:r>
+              <a:rPr lang="ko-KR" altLang="en-US" smtClean="0">
+                <a:latin typeface="Neo둥근모" panose="02010509060201040203" pitchFamily="1" charset="-127"/>
+                <a:ea typeface="Neo둥근모" panose="02010509060201040203" pitchFamily="1" charset="-127"/>
+              </a:rPr>
+              <a:t>페인트</a:t>
+            </a:r>
+            <a:r>
+              <a:rPr lang="en-US" altLang="ko-KR" smtClean="0">
+                <a:latin typeface="Neo둥근모" panose="02010509060201040203" pitchFamily="1" charset="-127"/>
+                <a:ea typeface="Neo둥근모" panose="02010509060201040203" pitchFamily="1" charset="-127"/>
+              </a:rPr>
+              <a:t>: </a:t>
+            </a:r>
+            <a:r>
+              <a:rPr lang="ko-KR" altLang="en-US" err="1" smtClean="0">
+                <a:latin typeface="Neo둥근모" panose="02010509060201040203" pitchFamily="1" charset="-127"/>
+                <a:ea typeface="Neo둥근모" panose="02010509060201040203" pitchFamily="1" charset="-127"/>
+              </a:rPr>
+              <a:t>같은색칠하기</a:t>
+            </a:r>
+            <a:endParaRPr lang="en-US" altLang="ko-KR" smtClean="0">
+              <a:latin typeface="Neo둥근모" panose="02010509060201040203" pitchFamily="1" charset="-127"/>
+              <a:ea typeface="Neo둥근모" panose="02010509060201040203" pitchFamily="1" charset="-127"/>
+            </a:endParaRPr>
+          </a:p>
+          <a:p>
+            <a:pPr algn="r"/>
+            <a:endParaRPr lang="ko-KR" altLang="en-US">
+              <a:latin typeface="Neo둥근모" panose="02010509060201040203" pitchFamily="1" charset="-127"/>
+              <a:ea typeface="Neo둥근모" panose="02010509060201040203" pitchFamily="1" charset="-127"/>
+            </a:endParaRPr>
+          </a:p>
+        </p:txBody>
+      </p:sp>
+      <p:sp>
+        <p:nvSpPr>
+          <p:cNvPr id="19" name="TextBox 18"/>
+          <p:cNvSpPr txBox="1"/>
+          <p:nvPr/>
+        </p:nvSpPr>
+        <p:spPr>
+          <a:xfrm>
+            <a:off x="242246" y="3774734"/>
+            <a:ext cx="3143245" cy="646331"/>
+          </a:xfrm>
+          <a:prstGeom prst="rect">
+            <a:avLst/>
+          </a:prstGeom>
+          <a:solidFill>
+            <a:schemeClr val="bg1">
+              <a:lumMod val="95000"/>
+              <a:lumOff val="5000"/>
+            </a:schemeClr>
+          </a:solidFill>
+          <a:ln>
+            <a:solidFill>
+              <a:schemeClr val="tx1">
+                <a:lumMod val="65000"/>
+              </a:schemeClr>
+            </a:solidFill>
+          </a:ln>
+        </p:spPr>
+        <p:txBody>
+          <a:bodyPr wrap="square" rtlCol="0">
+            <a:spAutoFit/>
+          </a:bodyPr>
+          <a:lstStyle/>
+          <a:p>
+            <a:pPr algn="r"/>
+            <a:r>
+              <a:rPr lang="ko-KR" altLang="en-US" smtClean="0">
+                <a:latin typeface="Neo둥근모" panose="02010509060201040203" pitchFamily="1" charset="-127"/>
+                <a:ea typeface="Neo둥근모" panose="02010509060201040203" pitchFamily="1" charset="-127"/>
+              </a:rPr>
+              <a:t>손바닥</a:t>
+            </a:r>
+            <a:r>
+              <a:rPr lang="en-US" altLang="ko-KR" smtClean="0">
+                <a:latin typeface="Neo둥근모" panose="02010509060201040203" pitchFamily="1" charset="-127"/>
+                <a:ea typeface="Neo둥근모" panose="02010509060201040203" pitchFamily="1" charset="-127"/>
+              </a:rPr>
+              <a:t>: </a:t>
+            </a:r>
+            <a:r>
+              <a:rPr lang="ko-KR" altLang="en-US" smtClean="0">
+                <a:latin typeface="Neo둥근모" panose="02010509060201040203" pitchFamily="1" charset="-127"/>
+                <a:ea typeface="Neo둥근모" panose="02010509060201040203" pitchFamily="1" charset="-127"/>
+              </a:rPr>
+              <a:t>둘러보기</a:t>
+            </a:r>
+            <a:r>
+              <a:rPr lang="en-US" altLang="ko-KR" smtClean="0">
+                <a:latin typeface="Neo둥근모" panose="02010509060201040203" pitchFamily="1" charset="-127"/>
+                <a:ea typeface="Neo둥근모" panose="02010509060201040203" pitchFamily="1" charset="-127"/>
+              </a:rPr>
+              <a:t/>
+            </a:r>
+            <a:br>
+              <a:rPr lang="en-US" altLang="ko-KR" smtClean="0">
+                <a:latin typeface="Neo둥근모" panose="02010509060201040203" pitchFamily="1" charset="-127"/>
+                <a:ea typeface="Neo둥근모" panose="02010509060201040203" pitchFamily="1" charset="-127"/>
+              </a:rPr>
+            </a:br>
+            <a:r>
+              <a:rPr lang="en-US" altLang="ko-KR" smtClean="0">
+                <a:latin typeface="Neo둥근모" panose="02010509060201040203" pitchFamily="1" charset="-127"/>
+                <a:ea typeface="Neo둥근모" panose="02010509060201040203" pitchFamily="1" charset="-127"/>
+              </a:rPr>
+              <a:t>SPACE</a:t>
+            </a:r>
+            <a:r>
+              <a:rPr lang="ko-KR" altLang="en-US" smtClean="0">
+                <a:latin typeface="Neo둥근모" panose="02010509060201040203" pitchFamily="1" charset="-127"/>
+                <a:ea typeface="Neo둥근모" panose="02010509060201040203" pitchFamily="1" charset="-127"/>
+              </a:rPr>
+              <a:t>로도 </a:t>
+            </a:r>
+            <a:r>
+              <a:rPr lang="ko-KR" altLang="en-US" err="1" smtClean="0">
+                <a:latin typeface="Neo둥근모" panose="02010509060201040203" pitchFamily="1" charset="-127"/>
+                <a:ea typeface="Neo둥근모" panose="02010509060201040203" pitchFamily="1" charset="-127"/>
+              </a:rPr>
+              <a:t>접근가능</a:t>
+            </a:r>
+            <a:endParaRPr lang="ko-KR" altLang="en-US">
+              <a:latin typeface="Neo둥근모" panose="02010509060201040203" pitchFamily="1" charset="-127"/>
+              <a:ea typeface="Neo둥근모" panose="02010509060201040203" pitchFamily="1" charset="-127"/>
+            </a:endParaRPr>
+          </a:p>
+        </p:txBody>
+      </p:sp>
+      <p:sp>
+        <p:nvSpPr>
+          <p:cNvPr id="20" name="TextBox 19"/>
+          <p:cNvSpPr txBox="1"/>
+          <p:nvPr/>
+        </p:nvSpPr>
+        <p:spPr>
+          <a:xfrm>
+            <a:off x="242246" y="5269904"/>
+            <a:ext cx="3143245" cy="923330"/>
+          </a:xfrm>
+          <a:prstGeom prst="rect">
+            <a:avLst/>
+          </a:prstGeom>
+          <a:solidFill>
+            <a:schemeClr val="bg1">
+              <a:lumMod val="95000"/>
+              <a:lumOff val="5000"/>
+            </a:schemeClr>
+          </a:solidFill>
+          <a:ln>
+            <a:solidFill>
+              <a:schemeClr val="tx1">
+                <a:lumMod val="65000"/>
+              </a:schemeClr>
+            </a:solidFill>
+          </a:ln>
+        </p:spPr>
+        <p:txBody>
+          <a:bodyPr wrap="square" rtlCol="0">
+            <a:spAutoFit/>
+          </a:bodyPr>
+          <a:lstStyle/>
+          <a:p>
+            <a:pPr algn="r"/>
+            <a:r>
+              <a:rPr lang="ko-KR" altLang="en-US">
+                <a:latin typeface="Neo둥근모" panose="02010509060201040203" pitchFamily="1" charset="-127"/>
+                <a:ea typeface="Neo둥근모" panose="02010509060201040203" pitchFamily="1" charset="-127"/>
+              </a:rPr>
+              <a:t>도형</a:t>
+            </a:r>
+            <a:r>
+              <a:rPr lang="en-US" altLang="ko-KR">
+                <a:latin typeface="Neo둥근모" panose="02010509060201040203" pitchFamily="1" charset="-127"/>
+                <a:ea typeface="Neo둥근모" panose="02010509060201040203" pitchFamily="1" charset="-127"/>
+              </a:rPr>
+              <a:t>: </a:t>
+            </a:r>
+            <a:r>
+              <a:rPr lang="ko-KR" altLang="en-US" err="1">
+                <a:latin typeface="Neo둥근모" panose="02010509060201040203" pitchFamily="1" charset="-127"/>
+                <a:ea typeface="Neo둥근모" panose="02010509060201040203" pitchFamily="1" charset="-127"/>
+              </a:rPr>
+              <a:t>클릭할때마다</a:t>
+            </a:r>
+            <a:endParaRPr lang="en-US" altLang="ko-KR">
+              <a:latin typeface="Neo둥근모" panose="02010509060201040203" pitchFamily="1" charset="-127"/>
+              <a:ea typeface="Neo둥근모" panose="02010509060201040203" pitchFamily="1" charset="-127"/>
+            </a:endParaRPr>
+          </a:p>
+          <a:p>
+            <a:pPr algn="r"/>
+            <a:r>
+              <a:rPr lang="ko-KR" altLang="en-US">
+                <a:latin typeface="Neo둥근모" panose="02010509060201040203" pitchFamily="1" charset="-127"/>
+                <a:ea typeface="Neo둥근모" panose="02010509060201040203" pitchFamily="1" charset="-127"/>
+              </a:rPr>
+              <a:t>원</a:t>
+            </a:r>
+            <a:r>
+              <a:rPr lang="en-US" altLang="ko-KR">
+                <a:latin typeface="Neo둥근모" panose="02010509060201040203" pitchFamily="1" charset="-127"/>
+                <a:ea typeface="Neo둥근모" panose="02010509060201040203" pitchFamily="1" charset="-127"/>
+              </a:rPr>
+              <a:t>,</a:t>
+            </a:r>
+            <a:r>
+              <a:rPr lang="ko-KR" altLang="en-US">
+                <a:latin typeface="Neo둥근모" panose="02010509060201040203" pitchFamily="1" charset="-127"/>
+                <a:ea typeface="Neo둥근모" panose="02010509060201040203" pitchFamily="1" charset="-127"/>
+              </a:rPr>
+              <a:t>사각형</a:t>
+            </a:r>
+            <a:r>
+              <a:rPr lang="en-US" altLang="ko-KR">
+                <a:latin typeface="Neo둥근모" panose="02010509060201040203" pitchFamily="1" charset="-127"/>
+                <a:ea typeface="Neo둥근모" panose="02010509060201040203" pitchFamily="1" charset="-127"/>
+              </a:rPr>
+              <a:t>,</a:t>
+            </a:r>
+            <a:r>
+              <a:rPr lang="ko-KR" altLang="en-US">
+                <a:latin typeface="Neo둥근모" panose="02010509060201040203" pitchFamily="1" charset="-127"/>
+                <a:ea typeface="Neo둥근모" panose="02010509060201040203" pitchFamily="1" charset="-127"/>
+              </a:rPr>
+              <a:t>선 그림</a:t>
+            </a:r>
+            <a:endParaRPr lang="en-US" altLang="ko-KR">
+              <a:latin typeface="Neo둥근모" panose="02010509060201040203" pitchFamily="1" charset="-127"/>
+              <a:ea typeface="Neo둥근모" panose="02010509060201040203" pitchFamily="1" charset="-127"/>
+            </a:endParaRPr>
+          </a:p>
+          <a:p>
+            <a:pPr algn="r"/>
+            <a:r>
+              <a:rPr lang="en-US" altLang="ko-KR">
+                <a:latin typeface="Neo둥근모" panose="02010509060201040203" pitchFamily="1" charset="-127"/>
+                <a:ea typeface="Neo둥근모" panose="02010509060201040203" pitchFamily="1" charset="-127"/>
+              </a:rPr>
+              <a:t>Ctrl</a:t>
+            </a:r>
+            <a:r>
+              <a:rPr lang="ko-KR" altLang="en-US">
+                <a:latin typeface="Neo둥근모" panose="02010509060201040203" pitchFamily="1" charset="-127"/>
+                <a:ea typeface="Neo둥근모" panose="02010509060201040203" pitchFamily="1" charset="-127"/>
+              </a:rPr>
+              <a:t>눌러서 </a:t>
+            </a:r>
+            <a:r>
+              <a:rPr lang="ko-KR" altLang="en-US" smtClean="0">
+                <a:latin typeface="Neo둥근모" panose="02010509060201040203" pitchFamily="1" charset="-127"/>
+                <a:ea typeface="Neo둥근모" panose="02010509060201040203" pitchFamily="1" charset="-127"/>
+              </a:rPr>
+              <a:t>채우기</a:t>
+            </a:r>
+            <a:endParaRPr lang="ko-KR" altLang="en-US">
+              <a:latin typeface="Neo둥근모" panose="02010509060201040203" pitchFamily="1" charset="-127"/>
+              <a:ea typeface="Neo둥근모" panose="02010509060201040203" pitchFamily="1" charset="-127"/>
+            </a:endParaRPr>
+          </a:p>
+        </p:txBody>
+      </p:sp>
+      <p:sp>
+        <p:nvSpPr>
+          <p:cNvPr id="21" name="TextBox 20"/>
+          <p:cNvSpPr txBox="1"/>
+          <p:nvPr/>
+        </p:nvSpPr>
+        <p:spPr>
+          <a:xfrm>
+            <a:off x="5121704" y="3405402"/>
+            <a:ext cx="1107996" cy="369332"/>
+          </a:xfrm>
+          <a:prstGeom prst="rect">
+            <a:avLst/>
+          </a:prstGeom>
+          <a:solidFill>
+            <a:schemeClr val="accent3">
+              <a:lumMod val="40000"/>
+              <a:lumOff val="60000"/>
+            </a:schemeClr>
+          </a:solidFill>
+          <a:ln>
+            <a:solidFill>
+              <a:schemeClr val="accent3">
+                <a:lumMod val="40000"/>
+                <a:lumOff val="60000"/>
+              </a:schemeClr>
+            </a:solidFill>
+          </a:ln>
+        </p:spPr>
+        <p:txBody>
+          <a:bodyPr wrap="none" rtlCol="0">
+            <a:spAutoFit/>
+          </a:bodyPr>
+          <a:lstStyle/>
+          <a:p>
+            <a:r>
+              <a:rPr lang="ko-KR" altLang="en-US" err="1" smtClean="0">
+                <a:solidFill>
+                  <a:schemeClr val="bg1"/>
+                </a:solidFill>
+                <a:latin typeface="Neo둥근모" panose="02010509060201040203" pitchFamily="1" charset="-127"/>
+                <a:ea typeface="Neo둥근모" panose="02010509060201040203" pitchFamily="1" charset="-127"/>
+              </a:rPr>
+              <a:t>미리보기</a:t>
+            </a:r>
+            <a:endParaRPr lang="ko-KR" altLang="en-US">
+              <a:solidFill>
+                <a:schemeClr val="bg1"/>
+              </a:solidFill>
+              <a:latin typeface="Neo둥근모" panose="02010509060201040203" pitchFamily="1" charset="-127"/>
+              <a:ea typeface="Neo둥근모" panose="02010509060201040203" pitchFamily="1" charset="-127"/>
+            </a:endParaRPr>
+          </a:p>
+        </p:txBody>
+      </p:sp>
+      <p:sp>
+        <p:nvSpPr>
+          <p:cNvPr id="22" name="TextBox 21"/>
+          <p:cNvSpPr txBox="1"/>
+          <p:nvPr/>
+        </p:nvSpPr>
+        <p:spPr>
+          <a:xfrm>
+            <a:off x="4615428" y="4630685"/>
+            <a:ext cx="3070071" cy="1754326"/>
+          </a:xfrm>
+          <a:prstGeom prst="rect">
+            <a:avLst/>
+          </a:prstGeom>
+          <a:solidFill>
+            <a:schemeClr val="accent3">
+              <a:lumMod val="40000"/>
+              <a:lumOff val="60000"/>
+            </a:schemeClr>
+          </a:solidFill>
+          <a:ln>
+            <a:solidFill>
+              <a:schemeClr val="accent3">
+                <a:lumMod val="40000"/>
+                <a:lumOff val="60000"/>
+              </a:schemeClr>
+            </a:solidFill>
+          </a:ln>
+        </p:spPr>
+        <p:txBody>
+          <a:bodyPr wrap="none" rtlCol="0">
+            <a:spAutoFit/>
+          </a:bodyPr>
+          <a:lstStyle/>
+          <a:p>
+            <a:r>
+              <a:rPr lang="ko-KR" altLang="en-US" smtClean="0">
+                <a:solidFill>
+                  <a:schemeClr val="bg1"/>
+                </a:solidFill>
+                <a:latin typeface="Neo둥근모" panose="02010509060201040203" pitchFamily="1" charset="-127"/>
+                <a:ea typeface="Neo둥근모" panose="02010509060201040203" pitchFamily="1" charset="-127"/>
+              </a:rPr>
+              <a:t>스프라이트시트</a:t>
+            </a:r>
+            <a:r>
+              <a:rPr lang="en-US" altLang="ko-KR" smtClean="0">
+                <a:solidFill>
+                  <a:schemeClr val="bg1"/>
+                </a:solidFill>
+                <a:latin typeface="Neo둥근모" panose="02010509060201040203" pitchFamily="1" charset="-127"/>
+                <a:ea typeface="Neo둥근모" panose="02010509060201040203" pitchFamily="1" charset="-127"/>
+              </a:rPr>
+              <a:t>:</a:t>
+            </a:r>
+          </a:p>
+          <a:p>
+            <a:r>
+              <a:rPr lang="ko-KR" altLang="en-US">
+                <a:solidFill>
+                  <a:schemeClr val="bg1"/>
+                </a:solidFill>
+                <a:latin typeface="Neo둥근모" panose="02010509060201040203" pitchFamily="1" charset="-127"/>
+                <a:ea typeface="Neo둥근모" panose="02010509060201040203" pitchFamily="1" charset="-127"/>
+              </a:rPr>
+              <a:t>총 </a:t>
+            </a:r>
+            <a:r>
+              <a:rPr lang="en-US" altLang="ko-KR">
+                <a:solidFill>
+                  <a:schemeClr val="bg1"/>
+                </a:solidFill>
+                <a:latin typeface="Neo둥근모" panose="02010509060201040203" pitchFamily="1" charset="-127"/>
+                <a:ea typeface="Neo둥근모" panose="02010509060201040203" pitchFamily="1" charset="-127"/>
+              </a:rPr>
+              <a:t>128x128 </a:t>
+            </a:r>
+            <a:r>
+              <a:rPr lang="ko-KR" altLang="en-US" smtClean="0">
+                <a:solidFill>
+                  <a:schemeClr val="bg1"/>
+                </a:solidFill>
+                <a:latin typeface="Neo둥근모" panose="02010509060201040203" pitchFamily="1" charset="-127"/>
+                <a:ea typeface="Neo둥근모" panose="02010509060201040203" pitchFamily="1" charset="-127"/>
+              </a:rPr>
+              <a:t>픽셀이며</a:t>
+            </a:r>
+            <a:endParaRPr lang="en-US" altLang="ko-KR" smtClean="0">
+              <a:solidFill>
+                <a:schemeClr val="bg1"/>
+              </a:solidFill>
+              <a:latin typeface="Neo둥근모" panose="02010509060201040203" pitchFamily="1" charset="-127"/>
+              <a:ea typeface="Neo둥근모" panose="02010509060201040203" pitchFamily="1" charset="-127"/>
+            </a:endParaRPr>
+          </a:p>
+          <a:p>
+            <a:r>
+              <a:rPr lang="en-US" altLang="ko-KR" smtClean="0">
+                <a:solidFill>
+                  <a:schemeClr val="bg1"/>
+                </a:solidFill>
+                <a:latin typeface="Neo둥근모" panose="02010509060201040203" pitchFamily="1" charset="-127"/>
+                <a:ea typeface="Neo둥근모" panose="02010509060201040203" pitchFamily="1" charset="-127"/>
+              </a:rPr>
               <a:t>8x8</a:t>
             </a:r>
             <a:r>
@@ -8674,6 +9355,47 @@
           </a:p>
         </p:txBody>
       </p:sp>
+      <p:cxnSp>
+        <p:nvCxnSpPr>
+          <p:cNvPr id="3" name="직선 화살표 연결선 2"/>
+          <p:cNvCxnSpPr>
+            <a:stCxn id="11" idx="3"/>
+          </p:cNvCxnSpPr>
+          <p:nvPr/>
+        </p:nvCxnSpPr>
+        <p:spPr>
+          <a:xfrm flipV="1">
+            <a:off x="3251342" y="723331"/>
+            <a:ext cx="583679" cy="51989"/>
+          </a:xfrm>
+          <a:prstGeom prst="straightConnector1">
+            <a:avLst/>
+          </a:prstGeom>
+          <a:ln w="76200">
+            <a:solidFill>
+              <a:schemeClr val="accent3">
+                <a:lumMod val="40000"/>
+                <a:lumOff val="60000"/>
+              </a:schemeClr>
+            </a:solidFill>
+            <a:tailEnd type="triangle"/>
+          </a:ln>
+        </p:spPr>
+        <p:style>
+          <a:lnRef idx="1">
+            <a:schemeClr val="accent1"/>
+          </a:lnRef>
+          <a:fillRef idx="0">
+            <a:schemeClr val="accent1"/>
+          </a:fillRef>
+          <a:effectRef idx="0">
+            <a:schemeClr val="accent1"/>
+          </a:effectRef>
+          <a:fontRef idx="minor">
+            <a:schemeClr val="tx1"/>
+          </a:fontRef>
+        </p:style>
+      </p:cxnSp>
       <p:cxnSp>
         <p:nvCxnSpPr>
           <p:cNvPr id="23" name="직선 화살표 연결선 22"/>
@@ -8756,9 +9478,426 @@
           </a:fontRef>
         </p:style>
       </p:cxnSp>
+      <p:cxnSp>
+        <p:nvCxnSpPr>
+          <p:cNvPr id="42" name="직선 화살표 연결선 41"/>
+          <p:cNvCxnSpPr/>
+          <p:nvPr/>
+        </p:nvCxnSpPr>
+        <p:spPr>
+          <a:xfrm>
+            <a:off x="6586494" y="3164880"/>
+            <a:ext cx="554771" cy="928681"/>
+          </a:xfrm>
+          <a:prstGeom prst="straightConnector1">
+            <a:avLst/>
+          </a:prstGeom>
+          <a:ln w="76200">
+            <a:solidFill>
+              <a:schemeClr val="accent3">
+                <a:lumMod val="40000"/>
+                <a:lumOff val="60000"/>
+              </a:schemeClr>
+            </a:solidFill>
+            <a:tailEnd type="triangle"/>
+          </a:ln>
+        </p:spPr>
+        <p:style>
+          <a:lnRef idx="1">
+            <a:schemeClr val="accent1"/>
+          </a:lnRef>
+          <a:fillRef idx="0">
+            <a:schemeClr val="accent1"/>
+          </a:fillRef>
+          <a:effectRef idx="0">
+            <a:schemeClr val="accent1"/>
+          </a:effectRef>
+          <a:fontRef idx="minor">
+            <a:schemeClr val="tx1"/>
+          </a:fontRef>
+        </p:style>
+      </p:cxnSp>
+      <p:cxnSp>
+        <p:nvCxnSpPr>
+          <p:cNvPr id="45" name="직선 화살표 연결선 44"/>
+          <p:cNvCxnSpPr/>
+          <p:nvPr/>
+        </p:nvCxnSpPr>
+        <p:spPr>
+          <a:xfrm>
+            <a:off x="6229700" y="3774734"/>
+            <a:ext cx="504205" cy="318827"/>
+          </a:xfrm>
+          <a:prstGeom prst="straightConnector1">
+            <a:avLst/>
+          </a:prstGeom>
+          <a:ln w="76200">
+            <a:solidFill>
+              <a:schemeClr val="accent3">
+                <a:lumMod val="40000"/>
+                <a:lumOff val="60000"/>
+              </a:schemeClr>
+            </a:solidFill>
+            <a:tailEnd type="triangle"/>
+          </a:ln>
+        </p:spPr>
+        <p:style>
+          <a:lnRef idx="1">
+            <a:schemeClr val="accent1"/>
+          </a:lnRef>
+          <a:fillRef idx="0">
+            <a:schemeClr val="accent1"/>
+          </a:fillRef>
+          <a:effectRef idx="0">
+            <a:schemeClr val="accent1"/>
+          </a:effectRef>
+          <a:fontRef idx="minor">
+            <a:schemeClr val="tx1"/>
+          </a:fontRef>
+        </p:style>
+      </p:cxnSp>
+      <p:pic>
+        <p:nvPicPr>
+          <p:cNvPr id="53" name="그림 52"/>
+          <p:cNvPicPr>
+            <a:picLocks noChangeAspect="1"/>
+          </p:cNvPicPr>
+          <p:nvPr/>
+        </p:nvPicPr>
+        <p:blipFill>
+          <a:blip r:embed="rId3"/>
+          <a:stretch>
+            <a:fillRect/>
+          </a:stretch>
+        </p:blipFill>
+        <p:spPr>
+          <a:xfrm>
+            <a:off x="286973" y="1531810"/>
+            <a:ext cx="514422" cy="571580"/>
+          </a:xfrm>
+          <a:prstGeom prst="rect">
+            <a:avLst/>
+          </a:prstGeom>
+        </p:spPr>
+      </p:pic>
+      <p:pic>
+        <p:nvPicPr>
+          <p:cNvPr id="54" name="그림 53"/>
+          <p:cNvPicPr>
+            <a:picLocks noChangeAspect="1"/>
+          </p:cNvPicPr>
+          <p:nvPr/>
+        </p:nvPicPr>
+        <p:blipFill>
+          <a:blip r:embed="rId4"/>
+          <a:stretch>
+            <a:fillRect/>
+          </a:stretch>
+        </p:blipFill>
+        <p:spPr>
+          <a:xfrm>
+            <a:off x="286973" y="2315281"/>
+            <a:ext cx="590632" cy="533474"/>
+          </a:xfrm>
+          <a:prstGeom prst="rect">
+            <a:avLst/>
+          </a:prstGeom>
+        </p:spPr>
+      </p:pic>
+      <p:pic>
+        <p:nvPicPr>
+          <p:cNvPr id="55" name="그림 54"/>
+          <p:cNvPicPr>
+            <a:picLocks noChangeAspect="1"/>
+          </p:cNvPicPr>
+          <p:nvPr/>
+        </p:nvPicPr>
+        <p:blipFill>
+          <a:blip r:embed="rId5"/>
+          <a:stretch>
+            <a:fillRect/>
+          </a:stretch>
+        </p:blipFill>
+        <p:spPr>
+          <a:xfrm>
+            <a:off x="267920" y="3056594"/>
+            <a:ext cx="628738" cy="533474"/>
+          </a:xfrm>
+          <a:prstGeom prst="rect">
+            <a:avLst/>
+          </a:prstGeom>
+        </p:spPr>
+      </p:pic>
+      <p:pic>
+        <p:nvPicPr>
+          <p:cNvPr id="56" name="그림 55"/>
+          <p:cNvPicPr>
+            <a:picLocks noChangeAspect="1"/>
+          </p:cNvPicPr>
+          <p:nvPr/>
+        </p:nvPicPr>
+        <p:blipFill>
+          <a:blip r:embed="rId6"/>
+          <a:stretch>
+            <a:fillRect/>
+          </a:stretch>
+        </p:blipFill>
+        <p:spPr>
+          <a:xfrm>
+            <a:off x="306025" y="3800859"/>
+            <a:ext cx="571580" cy="571580"/>
+          </a:xfrm>
+          <a:prstGeom prst="rect">
+            <a:avLst/>
+          </a:prstGeom>
+        </p:spPr>
+      </p:pic>
+      <p:pic>
+        <p:nvPicPr>
+          <p:cNvPr id="59" name="그림 58"/>
+          <p:cNvPicPr>
+            <a:picLocks noChangeAspect="1"/>
+          </p:cNvPicPr>
+          <p:nvPr/>
+        </p:nvPicPr>
+        <p:blipFill>
+          <a:blip r:embed="rId7"/>
+          <a:stretch>
+            <a:fillRect/>
+          </a:stretch>
+        </p:blipFill>
+        <p:spPr>
+          <a:xfrm>
+            <a:off x="339367" y="4610058"/>
+            <a:ext cx="485843" cy="466790"/>
+          </a:xfrm>
+          <a:prstGeom prst="rect">
+            <a:avLst/>
+          </a:prstGeom>
+        </p:spPr>
+      </p:pic>
       <p:pic>
         <p:nvPicPr>
           <p:cNvPr id="60" name="그림 59"/>
+          <p:cNvPicPr>
+            <a:picLocks noChangeAspect="1"/>
+          </p:cNvPicPr>
+          <p:nvPr/>
+        </p:nvPicPr>
+        <p:blipFill>
+          <a:blip r:embed="rId8"/>
+          <a:stretch>
+            <a:fillRect/>
+          </a:stretch>
+        </p:blipFill>
+        <p:spPr>
+          <a:xfrm>
+            <a:off x="307318" y="5380890"/>
+            <a:ext cx="716604" cy="701357"/>
+          </a:xfrm>
+          <a:prstGeom prst="rect">
+            <a:avLst/>
+          </a:prstGeom>
+        </p:spPr>
+      </p:pic>
+    </p:spTree>
+    <p:extLst>
+      <p:ext uri="{BB962C8B-B14F-4D97-AF65-F5344CB8AC3E}">
+        <p14:creationId xmlns:p14="http://schemas.microsoft.com/office/powerpoint/2010/main" val="3513530429"/>
+      </p:ext>
+    </p:extLst>
+  </p:cSld>
+  <p:clrMapOvr>
+    <a:masterClrMapping/>
+  </p:clrMapOvr>
+  <p:timing>
+    <p:tnLst>
+      <p:par>
+        <p:cTn id="1" dur="indefinite" restart="never" nodeType="tmRoot"/>
+      </p:par>
+    </p:tnLst>
+  </p:timing>
+</p:sld>
+</file>
+
+<file path=ppt/slides/slide3.xml><?xml version="1.0" encoding="utf-8"?>
+<p:sld xmlns:a="http://schemas.openxmlformats.org/drawingml/2006/main" xmlns:r="http://schemas.openxmlformats.org/officeDocument/2006/relationships" xmlns:p="http://schemas.openxmlformats.org/presentationml/2006/main">
+  <p:cSld>
+    <p:bg>
+      <p:bgPr>
+        <a:pattFill prst="ltVert">
+          <a:fgClr>
+            <a:schemeClr val="accent1"/>
+          </a:fgClr>
+          <a:bgClr>
+            <a:schemeClr val="bg1"/>
+          </a:bgClr>
+        </a:pattFill>
+        <a:effectLst/>
+      </p:bgPr>
+    </p:bg>
+    <p:spTree>
+      <p:nvGrpSpPr>
+        <p:cNvPr id="1" name=""/>
+        <p:cNvGrpSpPr/>
+        <p:nvPr/>
+      </p:nvGrpSpPr>
+      <p:grpSpPr>
+        <a:xfrm>
+          <a:off x="0" y="0"/>
+          <a:ext cx="0" cy="0"/>
+          <a:chOff x="0" y="0"/>
+          <a:chExt cx="0" cy="0"/>
+        </a:xfrm>
+      </p:grpSpPr>
+      <p:sp>
+        <p:nvSpPr>
+          <p:cNvPr id="9" name="TextBox 8"/>
+          <p:cNvSpPr txBox="1"/>
+          <p:nvPr/>
+        </p:nvSpPr>
+        <p:spPr>
+          <a:xfrm>
+            <a:off x="11251103" y="6235402"/>
+            <a:ext cx="646331" cy="369332"/>
+          </a:xfrm>
+          <a:prstGeom prst="rect">
+            <a:avLst/>
+          </a:prstGeom>
+          <a:solidFill>
+            <a:schemeClr val="accent3">
+              <a:lumMod val="40000"/>
+              <a:lumOff val="60000"/>
+            </a:schemeClr>
+          </a:solidFill>
+          <a:ln>
+            <a:solidFill>
+              <a:schemeClr val="accent3">
+                <a:lumMod val="40000"/>
+                <a:lumOff val="60000"/>
+              </a:schemeClr>
+            </a:solidFill>
+          </a:ln>
+        </p:spPr>
+        <p:txBody>
+          <a:bodyPr wrap="none" rtlCol="0">
+            <a:spAutoFit/>
+          </a:bodyPr>
+          <a:lstStyle/>
+          <a:p>
+            <a:r>
+              <a:rPr lang="ko-KR" altLang="en-US" smtClean="0">
+                <a:solidFill>
+                  <a:schemeClr val="bg1"/>
+                </a:solidFill>
+                <a:latin typeface="Neo둥근모" panose="02010509060201040203" pitchFamily="1" charset="-127"/>
+                <a:ea typeface="Neo둥근모" panose="02010509060201040203" pitchFamily="1" charset="-127"/>
+              </a:rPr>
+              <a:t>ㄴㄴ</a:t>
+            </a:r>
+            <a:endParaRPr lang="ko-KR" altLang="en-US">
+              <a:solidFill>
+                <a:schemeClr val="bg1"/>
+              </a:solidFill>
+              <a:latin typeface="Neo둥근모" panose="02010509060201040203" pitchFamily="1" charset="-127"/>
+              <a:ea typeface="Neo둥근모" panose="02010509060201040203" pitchFamily="1" charset="-127"/>
+            </a:endParaRPr>
+          </a:p>
+        </p:txBody>
+      </p:sp>
+      <p:sp>
+        <p:nvSpPr>
+          <p:cNvPr id="20" name="TextBox 19"/>
+          <p:cNvSpPr txBox="1"/>
+          <p:nvPr/>
+        </p:nvSpPr>
+        <p:spPr>
+          <a:xfrm>
+            <a:off x="242246" y="5269904"/>
+            <a:ext cx="3143245" cy="369332"/>
+          </a:xfrm>
+          <a:prstGeom prst="rect">
+            <a:avLst/>
+          </a:prstGeom>
+          <a:solidFill>
+            <a:schemeClr val="bg1">
+              <a:lumMod val="95000"/>
+              <a:lumOff val="5000"/>
+            </a:schemeClr>
+          </a:solidFill>
+          <a:ln>
+            <a:solidFill>
+              <a:schemeClr val="tx1">
+                <a:lumMod val="65000"/>
+              </a:schemeClr>
+            </a:solidFill>
+          </a:ln>
+        </p:spPr>
+        <p:txBody>
+          <a:bodyPr wrap="square" rtlCol="0">
+            <a:spAutoFit/>
+          </a:bodyPr>
+          <a:lstStyle/>
+          <a:p>
+            <a:pPr algn="r"/>
+            <a:r>
+              <a:rPr lang="ko-KR" altLang="en-US" smtClean="0">
+                <a:latin typeface="Neo둥근모" panose="02010509060201040203" pitchFamily="1" charset="-127"/>
+                <a:ea typeface="Neo둥근모" panose="02010509060201040203" pitchFamily="1" charset="-127"/>
+              </a:rPr>
+              <a:t>ㄴㄴ</a:t>
+            </a:r>
+            <a:endParaRPr lang="ko-KR" altLang="en-US">
+              <a:latin typeface="Neo둥근모" panose="02010509060201040203" pitchFamily="1" charset="-127"/>
+              <a:ea typeface="Neo둥근모" panose="02010509060201040203" pitchFamily="1" charset="-127"/>
+            </a:endParaRPr>
+          </a:p>
+        </p:txBody>
+      </p:sp>
+      <p:cxnSp>
+        <p:nvCxnSpPr>
+          <p:cNvPr id="24" name="직선 화살표 연결선 23"/>
+          <p:cNvCxnSpPr>
+            <a:stCxn id="9" idx="0"/>
+          </p:cNvCxnSpPr>
+          <p:nvPr/>
+        </p:nvCxnSpPr>
+        <p:spPr>
+          <a:xfrm flipH="1" flipV="1">
+            <a:off x="10970316" y="5097808"/>
+            <a:ext cx="603953" cy="1137594"/>
+          </a:xfrm>
+          <a:prstGeom prst="straightConnector1">
+            <a:avLst/>
+          </a:prstGeom>
+          <a:ln w="76200">
+            <a:solidFill>
+              <a:schemeClr val="accent3">
+                <a:lumMod val="40000"/>
+                <a:lumOff val="60000"/>
+              </a:schemeClr>
+            </a:solidFill>
+            <a:tailEnd type="triangle"/>
+          </a:ln>
+        </p:spPr>
+        <p:style>
+          <a:lnRef idx="1">
+            <a:schemeClr val="accent1"/>
+          </a:lnRef>
+          <a:fillRef idx="0">
+            <a:schemeClr val="accent1"/>
+          </a:fillRef>
+          <a:effectRef idx="0">
+            <a:schemeClr val="accent1"/>
+          </a:effectRef>
+          <a:fontRef idx="minor">
+            <a:schemeClr val="tx1"/>
+          </a:fontRef>
+        </p:style>
+      </p:cxnSp>
+      <p:pic>
+        <p:nvPicPr>
+          <p:cNvPr id="2" name="그림 1"/>
           <p:cNvPicPr>
             <a:picLocks noChangeAspect="1"/>
           </p:cNvPicPr>
@@ -8772,8 +9911,8 @@
         </p:blipFill>
         <p:spPr>
           <a:xfrm>
-            <a:off x="307318" y="5380890"/>
-            <a:ext cx="716604" cy="701357"/>
+            <a:off x="3591934" y="572356"/>
+            <a:ext cx="5750972" cy="5760000"/>
           </a:xfrm>
           <a:prstGeom prst="rect">
             <a:avLst/>
@@ -8784,6 +9923,492 @@
     <p:extLst>
       <p:ext uri="{BB962C8B-B14F-4D97-AF65-F5344CB8AC3E}">
         <p14:creationId xmlns:p14="http://schemas.microsoft.com/office/powerpoint/2010/main" val="139989574"/>
+      </p:ext>
+    </p:extLst>
+  </p:cSld>
+  <p:clrMapOvr>
+    <a:masterClrMapping/>
+  </p:clrMapOvr>
+  <p:timing>
+    <p:tnLst>
+      <p:par>
+        <p:cTn id="1" dur="indefinite" restart="never" nodeType="tmRoot"/>
+      </p:par>
+    </p:tnLst>
+  </p:timing>
+</p:sld>
+</file>
+
+<file path=ppt/slides/slide4.xml><?xml version="1.0" encoding="utf-8"?>
+<p:sld xmlns:a="http://schemas.openxmlformats.org/drawingml/2006/main" xmlns:r="http://schemas.openxmlformats.org/officeDocument/2006/relationships" xmlns:p="http://schemas.openxmlformats.org/presentationml/2006/main">
+  <p:cSld>
+    <p:bg>
+      <p:bgPr>
+        <a:pattFill prst="ltVert">
+          <a:fgClr>
+            <a:schemeClr val="accent1"/>
+          </a:fgClr>
+          <a:bgClr>
+            <a:schemeClr val="bg1"/>
+          </a:bgClr>
+        </a:pattFill>
+        <a:effectLst/>
+      </p:bgPr>
+    </p:bg>
+    <p:spTree>
+      <p:nvGrpSpPr>
+        <p:cNvPr id="1" name=""/>
+        <p:cNvGrpSpPr/>
+        <p:nvPr/>
+      </p:nvGrpSpPr>
+      <p:grpSpPr>
+        <a:xfrm>
+          <a:off x="0" y="0"/>
+          <a:ext cx="0" cy="0"/>
+          <a:chOff x="0" y="0"/>
+          <a:chExt cx="0" cy="0"/>
+        </a:xfrm>
+      </p:grpSpPr>
+      <p:sp>
+        <p:nvSpPr>
+          <p:cNvPr id="9" name="TextBox 8"/>
+          <p:cNvSpPr txBox="1"/>
+          <p:nvPr/>
+        </p:nvSpPr>
+        <p:spPr>
+          <a:xfrm>
+            <a:off x="11251103" y="6235402"/>
+            <a:ext cx="646331" cy="369332"/>
+          </a:xfrm>
+          <a:prstGeom prst="rect">
+            <a:avLst/>
+          </a:prstGeom>
+          <a:solidFill>
+            <a:schemeClr val="accent3">
+              <a:lumMod val="40000"/>
+              <a:lumOff val="60000"/>
+            </a:schemeClr>
+          </a:solidFill>
+          <a:ln>
+            <a:solidFill>
+              <a:schemeClr val="accent3">
+                <a:lumMod val="40000"/>
+                <a:lumOff val="60000"/>
+              </a:schemeClr>
+            </a:solidFill>
+          </a:ln>
+        </p:spPr>
+        <p:txBody>
+          <a:bodyPr wrap="none" rtlCol="0">
+            <a:spAutoFit/>
+          </a:bodyPr>
+          <a:lstStyle/>
+          <a:p>
+            <a:r>
+              <a:rPr lang="ko-KR" altLang="en-US" smtClean="0">
+                <a:solidFill>
+                  <a:schemeClr val="bg1"/>
+                </a:solidFill>
+                <a:latin typeface="Neo둥근모" panose="02010509060201040203" pitchFamily="1" charset="-127"/>
+                <a:ea typeface="Neo둥근모" panose="02010509060201040203" pitchFamily="1" charset="-127"/>
+              </a:rPr>
+              <a:t>ㄴㄴ</a:t>
+            </a:r>
+            <a:endParaRPr lang="ko-KR" altLang="en-US">
+              <a:solidFill>
+                <a:schemeClr val="bg1"/>
+              </a:solidFill>
+              <a:latin typeface="Neo둥근모" panose="02010509060201040203" pitchFamily="1" charset="-127"/>
+              <a:ea typeface="Neo둥근모" panose="02010509060201040203" pitchFamily="1" charset="-127"/>
+            </a:endParaRPr>
+          </a:p>
+        </p:txBody>
+      </p:sp>
+      <p:sp>
+        <p:nvSpPr>
+          <p:cNvPr id="20" name="TextBox 19"/>
+          <p:cNvSpPr txBox="1"/>
+          <p:nvPr/>
+        </p:nvSpPr>
+        <p:spPr>
+          <a:xfrm>
+            <a:off x="242246" y="5269904"/>
+            <a:ext cx="3143245" cy="369332"/>
+          </a:xfrm>
+          <a:prstGeom prst="rect">
+            <a:avLst/>
+          </a:prstGeom>
+          <a:solidFill>
+            <a:schemeClr val="bg1">
+              <a:lumMod val="95000"/>
+              <a:lumOff val="5000"/>
+            </a:schemeClr>
+          </a:solidFill>
+          <a:ln>
+            <a:solidFill>
+              <a:schemeClr val="tx1">
+                <a:lumMod val="65000"/>
+              </a:schemeClr>
+            </a:solidFill>
+          </a:ln>
+        </p:spPr>
+        <p:txBody>
+          <a:bodyPr wrap="square" rtlCol="0">
+            <a:spAutoFit/>
+          </a:bodyPr>
+          <a:lstStyle/>
+          <a:p>
+            <a:pPr algn="r"/>
+            <a:r>
+              <a:rPr lang="ko-KR" altLang="en-US" smtClean="0">
+                <a:latin typeface="Neo둥근모" panose="02010509060201040203" pitchFamily="1" charset="-127"/>
+                <a:ea typeface="Neo둥근모" panose="02010509060201040203" pitchFamily="1" charset="-127"/>
+              </a:rPr>
+              <a:t>ㄴㄴ</a:t>
+            </a:r>
+            <a:endParaRPr lang="ko-KR" altLang="en-US">
+              <a:latin typeface="Neo둥근모" panose="02010509060201040203" pitchFamily="1" charset="-127"/>
+              <a:ea typeface="Neo둥근모" panose="02010509060201040203" pitchFamily="1" charset="-127"/>
+            </a:endParaRPr>
+          </a:p>
+        </p:txBody>
+      </p:sp>
+      <p:cxnSp>
+        <p:nvCxnSpPr>
+          <p:cNvPr id="24" name="직선 화살표 연결선 23"/>
+          <p:cNvCxnSpPr>
+            <a:stCxn id="9" idx="0"/>
+          </p:cNvCxnSpPr>
+          <p:nvPr/>
+        </p:nvCxnSpPr>
+        <p:spPr>
+          <a:xfrm flipH="1" flipV="1">
+            <a:off x="10970316" y="5097808"/>
+            <a:ext cx="603953" cy="1137594"/>
+          </a:xfrm>
+          <a:prstGeom prst="straightConnector1">
+            <a:avLst/>
+          </a:prstGeom>
+          <a:ln w="76200">
+            <a:solidFill>
+              <a:schemeClr val="accent3">
+                <a:lumMod val="40000"/>
+                <a:lumOff val="60000"/>
+              </a:schemeClr>
+            </a:solidFill>
+            <a:tailEnd type="triangle"/>
+          </a:ln>
+        </p:spPr>
+        <p:style>
+          <a:lnRef idx="1">
+            <a:schemeClr val="accent1"/>
+          </a:lnRef>
+          <a:fillRef idx="0">
+            <a:schemeClr val="accent1"/>
+          </a:fillRef>
+          <a:effectRef idx="0">
+            <a:schemeClr val="accent1"/>
+          </a:effectRef>
+          <a:fontRef idx="minor">
+            <a:schemeClr val="tx1"/>
+          </a:fontRef>
+        </p:style>
+      </p:cxnSp>
+      <p:pic>
+        <p:nvPicPr>
+          <p:cNvPr id="3" name="그림 2"/>
+          <p:cNvPicPr>
+            <a:picLocks noChangeAspect="1"/>
+          </p:cNvPicPr>
+          <p:nvPr/>
+        </p:nvPicPr>
+        <p:blipFill>
+          <a:blip r:embed="rId2"/>
+          <a:stretch>
+            <a:fillRect/>
+          </a:stretch>
+        </p:blipFill>
+        <p:spPr>
+          <a:xfrm>
+            <a:off x="3986179" y="584520"/>
+            <a:ext cx="5782661" cy="5760000"/>
+          </a:xfrm>
+          <a:prstGeom prst="rect">
+            <a:avLst/>
+          </a:prstGeom>
+        </p:spPr>
+      </p:pic>
+    </p:spTree>
+    <p:extLst>
+      <p:ext uri="{BB962C8B-B14F-4D97-AF65-F5344CB8AC3E}">
+        <p14:creationId xmlns:p14="http://schemas.microsoft.com/office/powerpoint/2010/main" val="3796234646"/>
+      </p:ext>
+    </p:extLst>
+  </p:cSld>
+  <p:clrMapOvr>
+    <a:masterClrMapping/>
+  </p:clrMapOvr>
+  <p:timing>
+    <p:tnLst>
+      <p:par>
+        <p:cTn id="1" dur="indefinite" restart="never" nodeType="tmRoot"/>
+      </p:par>
+    </p:tnLst>
+  </p:timing>
+</p:sld>
+</file>
+
+<file path=ppt/slides/slide5.xml><?xml version="1.0" encoding="utf-8"?>
+<p:sld xmlns:a="http://schemas.openxmlformats.org/drawingml/2006/main" xmlns:r="http://schemas.openxmlformats.org/officeDocument/2006/relationships" xmlns:p="http://schemas.openxmlformats.org/presentationml/2006/main">
+  <p:cSld>
+    <p:bg>
+      <p:bgPr>
+        <a:pattFill prst="ltVert">
+          <a:fgClr>
+            <a:schemeClr val="accent1"/>
+          </a:fgClr>
+          <a:bgClr>
+            <a:schemeClr val="bg1"/>
+          </a:bgClr>
+        </a:pattFill>
+        <a:effectLst/>
+      </p:bgPr>
+    </p:bg>
+    <p:spTree>
+      <p:nvGrpSpPr>
+        <p:cNvPr id="1" name=""/>
+        <p:cNvGrpSpPr/>
+        <p:nvPr/>
+      </p:nvGrpSpPr>
+      <p:grpSpPr>
+        <a:xfrm>
+          <a:off x="0" y="0"/>
+          <a:ext cx="0" cy="0"/>
+          <a:chOff x="0" y="0"/>
+          <a:chExt cx="0" cy="0"/>
+        </a:xfrm>
+      </p:grpSpPr>
+      <p:sp>
+        <p:nvSpPr>
+          <p:cNvPr id="9" name="TextBox 8"/>
+          <p:cNvSpPr txBox="1"/>
+          <p:nvPr/>
+        </p:nvSpPr>
+        <p:spPr>
+          <a:xfrm>
+            <a:off x="11251103" y="6235402"/>
+            <a:ext cx="646331" cy="369332"/>
+          </a:xfrm>
+          <a:prstGeom prst="rect">
+            <a:avLst/>
+          </a:prstGeom>
+          <a:solidFill>
+            <a:schemeClr val="accent3">
+              <a:lumMod val="40000"/>
+              <a:lumOff val="60000"/>
+            </a:schemeClr>
+          </a:solidFill>
+          <a:ln>
+            <a:solidFill>
+              <a:schemeClr val="accent3">
+                <a:lumMod val="40000"/>
+                <a:lumOff val="60000"/>
+              </a:schemeClr>
+            </a:solidFill>
+          </a:ln>
+        </p:spPr>
+        <p:txBody>
+          <a:bodyPr wrap="none" rtlCol="0">
+            <a:spAutoFit/>
+          </a:bodyPr>
+          <a:lstStyle/>
+          <a:p>
+            <a:r>
+              <a:rPr lang="ko-KR" altLang="en-US" smtClean="0">
+                <a:solidFill>
+                  <a:schemeClr val="bg1"/>
+                </a:solidFill>
+                <a:latin typeface="Neo둥근모" panose="02010509060201040203" pitchFamily="1" charset="-127"/>
+                <a:ea typeface="Neo둥근모" panose="02010509060201040203" pitchFamily="1" charset="-127"/>
+              </a:rPr>
+              <a:t>ㄴㄴ</a:t>
+            </a:r>
+            <a:endParaRPr lang="ko-KR" altLang="en-US">
+              <a:solidFill>
+                <a:schemeClr val="bg1"/>
+              </a:solidFill>
+              <a:latin typeface="Neo둥근모" panose="02010509060201040203" pitchFamily="1" charset="-127"/>
+              <a:ea typeface="Neo둥근모" panose="02010509060201040203" pitchFamily="1" charset="-127"/>
+            </a:endParaRPr>
+          </a:p>
+        </p:txBody>
+      </p:sp>
+      <p:sp>
+        <p:nvSpPr>
+          <p:cNvPr id="20" name="TextBox 19"/>
+          <p:cNvSpPr txBox="1"/>
+          <p:nvPr/>
+        </p:nvSpPr>
+        <p:spPr>
+          <a:xfrm>
+            <a:off x="242246" y="5269904"/>
+            <a:ext cx="3143245" cy="369332"/>
+          </a:xfrm>
+          <a:prstGeom prst="rect">
+            <a:avLst/>
+          </a:prstGeom>
+          <a:solidFill>
+            <a:schemeClr val="bg1">
+              <a:lumMod val="95000"/>
+              <a:lumOff val="5000"/>
+            </a:schemeClr>
+          </a:solidFill>
+          <a:ln>
+            <a:solidFill>
+              <a:schemeClr val="tx1">
+                <a:lumMod val="65000"/>
+              </a:schemeClr>
+            </a:solidFill>
+          </a:ln>
+        </p:spPr>
+        <p:txBody>
+          <a:bodyPr wrap="square" rtlCol="0">
+            <a:spAutoFit/>
+          </a:bodyPr>
+          <a:lstStyle/>
+          <a:p>
+            <a:pPr algn="r"/>
+            <a:r>
+              <a:rPr lang="ko-KR" altLang="en-US" smtClean="0">
+                <a:latin typeface="Neo둥근모" panose="02010509060201040203" pitchFamily="1" charset="-127"/>
+                <a:ea typeface="Neo둥근모" panose="02010509060201040203" pitchFamily="1" charset="-127"/>
+              </a:rPr>
+              <a:t>ㄴㄴ</a:t>
+            </a:r>
+            <a:endParaRPr lang="ko-KR" altLang="en-US">
+              <a:latin typeface="Neo둥근모" panose="02010509060201040203" pitchFamily="1" charset="-127"/>
+              <a:ea typeface="Neo둥근모" panose="02010509060201040203" pitchFamily="1" charset="-127"/>
+            </a:endParaRPr>
+          </a:p>
+        </p:txBody>
+      </p:sp>
+      <p:cxnSp>
+        <p:nvCxnSpPr>
+          <p:cNvPr id="24" name="직선 화살표 연결선 23"/>
+          <p:cNvCxnSpPr>
+            <a:stCxn id="9" idx="0"/>
+          </p:cNvCxnSpPr>
+          <p:nvPr/>
+        </p:nvCxnSpPr>
+        <p:spPr>
+          <a:xfrm flipH="1" flipV="1">
+            <a:off x="10970316" y="5097808"/>
+            <a:ext cx="603953" cy="1137594"/>
+          </a:xfrm>
+          <a:prstGeom prst="straightConnector1">
+            <a:avLst/>
+          </a:prstGeom>
+          <a:ln w="76200">
+            <a:solidFill>
+              <a:schemeClr val="accent3">
+                <a:lumMod val="40000"/>
+                <a:lumOff val="60000"/>
+              </a:schemeClr>
+            </a:solidFill>
+            <a:tailEnd type="triangle"/>
+          </a:ln>
+        </p:spPr>
+        <p:style>
+          <a:lnRef idx="1">
+            <a:schemeClr val="accent1"/>
+          </a:lnRef>
+          <a:fillRef idx="0">
+            <a:schemeClr val="accent1"/>
+          </a:fillRef>
+          <a:effectRef idx="0">
+            <a:schemeClr val="accent1"/>
+          </a:effectRef>
+          <a:fontRef idx="minor">
+            <a:schemeClr val="tx1"/>
+          </a:fontRef>
+        </p:style>
+      </p:cxnSp>
+      <p:pic>
+        <p:nvPicPr>
+          <p:cNvPr id="2" name="그림 1"/>
+          <p:cNvPicPr>
+            <a:picLocks noChangeAspect="1"/>
+          </p:cNvPicPr>
+          <p:nvPr/>
+        </p:nvPicPr>
+        <p:blipFill>
+          <a:blip r:embed="rId2"/>
+          <a:stretch>
+            <a:fillRect/>
+          </a:stretch>
+        </p:blipFill>
+        <p:spPr>
+          <a:xfrm>
+            <a:off x="4744226" y="996102"/>
+            <a:ext cx="2875486" cy="2880000"/>
+          </a:xfrm>
+          <a:prstGeom prst="rect">
+            <a:avLst/>
+          </a:prstGeom>
+        </p:spPr>
+      </p:pic>
+      <p:pic>
+        <p:nvPicPr>
+          <p:cNvPr id="3" name="그림 2"/>
+          <p:cNvPicPr>
+            <a:picLocks noChangeAspect="1"/>
+          </p:cNvPicPr>
+          <p:nvPr/>
+        </p:nvPicPr>
+        <p:blipFill>
+          <a:blip r:embed="rId3"/>
+          <a:stretch>
+            <a:fillRect/>
+          </a:stretch>
+        </p:blipFill>
+        <p:spPr>
+          <a:xfrm>
+            <a:off x="856403" y="996102"/>
+            <a:ext cx="2880000" cy="2868714"/>
+          </a:xfrm>
+          <a:prstGeom prst="rect">
+            <a:avLst/>
+          </a:prstGeom>
+        </p:spPr>
+      </p:pic>
+      <p:pic>
+        <p:nvPicPr>
+          <p:cNvPr id="4" name="그림 3"/>
+          <p:cNvPicPr>
+            <a:picLocks noChangeAspect="1"/>
+          </p:cNvPicPr>
+          <p:nvPr/>
+        </p:nvPicPr>
+        <p:blipFill>
+          <a:blip r:embed="rId4"/>
+          <a:stretch>
+            <a:fillRect/>
+          </a:stretch>
+        </p:blipFill>
+        <p:spPr>
+          <a:xfrm>
+            <a:off x="9026462" y="996102"/>
+            <a:ext cx="2870972" cy="2880000"/>
+          </a:xfrm>
+          <a:prstGeom prst="rect">
+            <a:avLst/>
+          </a:prstGeom>
+        </p:spPr>
+      </p:pic>
+    </p:spTree>
+    <p:extLst>
+      <p:ext uri="{BB962C8B-B14F-4D97-AF65-F5344CB8AC3E}">
+        <p14:creationId xmlns:p14="http://schemas.microsoft.com/office/powerpoint/2010/main" val="1487118075"/>
       </p:ext>
     </p:extLst>
   </p:cSld>
